--- a/doc/SkyCompiler.pptx
+++ b/doc/SkyCompiler.pptx
@@ -6,7 +6,7 @@
     <p:sldMasterId id="2147483651" r:id="rId2"/>
   </p:sldMasterIdLst>
   <p:notesMasterIdLst>
-    <p:notesMasterId r:id="rId25"/>
+    <p:notesMasterId r:id="rId28"/>
   </p:notesMasterIdLst>
   <p:sldIdLst>
     <p:sldId id="256" r:id="rId3"/>
@@ -30,7 +30,10 @@
     <p:sldId id="335" r:id="rId21"/>
     <p:sldId id="323" r:id="rId22"/>
     <p:sldId id="324" r:id="rId23"/>
-    <p:sldId id="305" r:id="rId24"/>
+    <p:sldId id="336" r:id="rId24"/>
+    <p:sldId id="337" r:id="rId25"/>
+    <p:sldId id="338" r:id="rId26"/>
+    <p:sldId id="305" r:id="rId27"/>
   </p:sldIdLst>
   <p:sldSz cx="12192000" cy="6858000"/>
   <p:notesSz cx="6858000" cy="9144000"/>
@@ -1616,6 +1619,258 @@
     <p:extLst>
       <p:ext uri="{BB962C8B-B14F-4D97-AF65-F5344CB8AC3E}">
         <p14:creationId xmlns:p14="http://schemas.microsoft.com/office/powerpoint/2010/main" val="1243516438"/>
+      </p:ext>
+    </p:extLst>
+  </p:cSld>
+  <p:clrMapOvr>
+    <a:masterClrMapping/>
+  </p:clrMapOvr>
+</p:notes>
+</file>
+
+<file path=ppt/notesSlides/notesSlide20.xml><?xml version="1.0" encoding="utf-8"?>
+<p:notes xmlns:a="http://schemas.openxmlformats.org/drawingml/2006/main" xmlns:r="http://schemas.openxmlformats.org/officeDocument/2006/relationships" xmlns:p="http://schemas.openxmlformats.org/presentationml/2006/main">
+  <p:cSld>
+    <p:spTree>
+      <p:nvGrpSpPr>
+        <p:cNvPr id="1" name=""/>
+        <p:cNvGrpSpPr/>
+        <p:nvPr/>
+      </p:nvGrpSpPr>
+      <p:grpSpPr>
+        <a:xfrm>
+          <a:off x="0" y="0"/>
+          <a:ext cx="0" cy="0"/>
+          <a:chOff x="0" y="0"/>
+          <a:chExt cx="0" cy="0"/>
+        </a:xfrm>
+      </p:grpSpPr>
+      <p:sp>
+        <p:nvSpPr>
+          <p:cNvPr id="2" name="幻灯片图像占位符 1"/>
+          <p:cNvSpPr>
+            <a:spLocks noGrp="1" noRot="1" noChangeAspect="1"/>
+          </p:cNvSpPr>
+          <p:nvPr>
+            <p:ph type="sldImg"/>
+          </p:nvPr>
+        </p:nvSpPr>
+        <p:spPr/>
+      </p:sp>
+      <p:sp>
+        <p:nvSpPr>
+          <p:cNvPr id="3" name="备注占位符 2"/>
+          <p:cNvSpPr>
+            <a:spLocks noGrp="1"/>
+          </p:cNvSpPr>
+          <p:nvPr>
+            <p:ph type="body" idx="1"/>
+          </p:nvPr>
+        </p:nvSpPr>
+        <p:spPr/>
+        <p:txBody>
+          <a:bodyPr/>
+          <a:lstStyle/>
+          <a:p>
+            <a:endParaRPr lang="zh-CN" altLang="en-US" dirty="0"/>
+          </a:p>
+        </p:txBody>
+      </p:sp>
+      <p:sp>
+        <p:nvSpPr>
+          <p:cNvPr id="4" name="灯片编号占位符 3"/>
+          <p:cNvSpPr>
+            <a:spLocks noGrp="1"/>
+          </p:cNvSpPr>
+          <p:nvPr>
+            <p:ph type="sldNum" sz="quarter" idx="5"/>
+          </p:nvPr>
+        </p:nvSpPr>
+        <p:spPr/>
+        <p:txBody>
+          <a:bodyPr/>
+          <a:lstStyle/>
+          <a:p>
+            <a:fld id="{5A9F0AFC-48CF-49C0-954B-6A141C32AE05}" type="slidenum">
+              <a:rPr lang="zh-CN" altLang="en-US" smtClean="0"/>
+              <a:t>22</a:t>
+            </a:fld>
+            <a:endParaRPr lang="zh-CN" altLang="en-US"/>
+          </a:p>
+        </p:txBody>
+      </p:sp>
+    </p:spTree>
+    <p:extLst>
+      <p:ext uri="{BB962C8B-B14F-4D97-AF65-F5344CB8AC3E}">
+        <p14:creationId xmlns:p14="http://schemas.microsoft.com/office/powerpoint/2010/main" val="3535140700"/>
+      </p:ext>
+    </p:extLst>
+  </p:cSld>
+  <p:clrMapOvr>
+    <a:masterClrMapping/>
+  </p:clrMapOvr>
+</p:notes>
+</file>
+
+<file path=ppt/notesSlides/notesSlide21.xml><?xml version="1.0" encoding="utf-8"?>
+<p:notes xmlns:a="http://schemas.openxmlformats.org/drawingml/2006/main" xmlns:r="http://schemas.openxmlformats.org/officeDocument/2006/relationships" xmlns:p="http://schemas.openxmlformats.org/presentationml/2006/main">
+  <p:cSld>
+    <p:spTree>
+      <p:nvGrpSpPr>
+        <p:cNvPr id="1" name=""/>
+        <p:cNvGrpSpPr/>
+        <p:nvPr/>
+      </p:nvGrpSpPr>
+      <p:grpSpPr>
+        <a:xfrm>
+          <a:off x="0" y="0"/>
+          <a:ext cx="0" cy="0"/>
+          <a:chOff x="0" y="0"/>
+          <a:chExt cx="0" cy="0"/>
+        </a:xfrm>
+      </p:grpSpPr>
+      <p:sp>
+        <p:nvSpPr>
+          <p:cNvPr id="2" name="幻灯片图像占位符 1"/>
+          <p:cNvSpPr>
+            <a:spLocks noGrp="1" noRot="1" noChangeAspect="1"/>
+          </p:cNvSpPr>
+          <p:nvPr>
+            <p:ph type="sldImg"/>
+          </p:nvPr>
+        </p:nvSpPr>
+        <p:spPr/>
+      </p:sp>
+      <p:sp>
+        <p:nvSpPr>
+          <p:cNvPr id="3" name="备注占位符 2"/>
+          <p:cNvSpPr>
+            <a:spLocks noGrp="1"/>
+          </p:cNvSpPr>
+          <p:nvPr>
+            <p:ph type="body" idx="1"/>
+          </p:nvPr>
+        </p:nvSpPr>
+        <p:spPr/>
+        <p:txBody>
+          <a:bodyPr/>
+          <a:lstStyle/>
+          <a:p>
+            <a:endParaRPr lang="zh-CN" altLang="en-US" dirty="0"/>
+          </a:p>
+        </p:txBody>
+      </p:sp>
+      <p:sp>
+        <p:nvSpPr>
+          <p:cNvPr id="4" name="灯片编号占位符 3"/>
+          <p:cNvSpPr>
+            <a:spLocks noGrp="1"/>
+          </p:cNvSpPr>
+          <p:nvPr>
+            <p:ph type="sldNum" sz="quarter" idx="5"/>
+          </p:nvPr>
+        </p:nvSpPr>
+        <p:spPr/>
+        <p:txBody>
+          <a:bodyPr/>
+          <a:lstStyle/>
+          <a:p>
+            <a:fld id="{5A9F0AFC-48CF-49C0-954B-6A141C32AE05}" type="slidenum">
+              <a:rPr lang="zh-CN" altLang="en-US" smtClean="0"/>
+              <a:t>23</a:t>
+            </a:fld>
+            <a:endParaRPr lang="zh-CN" altLang="en-US"/>
+          </a:p>
+        </p:txBody>
+      </p:sp>
+    </p:spTree>
+    <p:extLst>
+      <p:ext uri="{BB962C8B-B14F-4D97-AF65-F5344CB8AC3E}">
+        <p14:creationId xmlns:p14="http://schemas.microsoft.com/office/powerpoint/2010/main" val="3278712657"/>
+      </p:ext>
+    </p:extLst>
+  </p:cSld>
+  <p:clrMapOvr>
+    <a:masterClrMapping/>
+  </p:clrMapOvr>
+</p:notes>
+</file>
+
+<file path=ppt/notesSlides/notesSlide22.xml><?xml version="1.0" encoding="utf-8"?>
+<p:notes xmlns:a="http://schemas.openxmlformats.org/drawingml/2006/main" xmlns:r="http://schemas.openxmlformats.org/officeDocument/2006/relationships" xmlns:p="http://schemas.openxmlformats.org/presentationml/2006/main">
+  <p:cSld>
+    <p:spTree>
+      <p:nvGrpSpPr>
+        <p:cNvPr id="1" name=""/>
+        <p:cNvGrpSpPr/>
+        <p:nvPr/>
+      </p:nvGrpSpPr>
+      <p:grpSpPr>
+        <a:xfrm>
+          <a:off x="0" y="0"/>
+          <a:ext cx="0" cy="0"/>
+          <a:chOff x="0" y="0"/>
+          <a:chExt cx="0" cy="0"/>
+        </a:xfrm>
+      </p:grpSpPr>
+      <p:sp>
+        <p:nvSpPr>
+          <p:cNvPr id="2" name="幻灯片图像占位符 1"/>
+          <p:cNvSpPr>
+            <a:spLocks noGrp="1" noRot="1" noChangeAspect="1"/>
+          </p:cNvSpPr>
+          <p:nvPr>
+            <p:ph type="sldImg"/>
+          </p:nvPr>
+        </p:nvSpPr>
+        <p:spPr/>
+      </p:sp>
+      <p:sp>
+        <p:nvSpPr>
+          <p:cNvPr id="3" name="备注占位符 2"/>
+          <p:cNvSpPr>
+            <a:spLocks noGrp="1"/>
+          </p:cNvSpPr>
+          <p:nvPr>
+            <p:ph type="body" idx="1"/>
+          </p:nvPr>
+        </p:nvSpPr>
+        <p:spPr/>
+        <p:txBody>
+          <a:bodyPr/>
+          <a:lstStyle/>
+          <a:p>
+            <a:endParaRPr lang="zh-CN" altLang="en-US" dirty="0"/>
+          </a:p>
+        </p:txBody>
+      </p:sp>
+      <p:sp>
+        <p:nvSpPr>
+          <p:cNvPr id="4" name="灯片编号占位符 3"/>
+          <p:cNvSpPr>
+            <a:spLocks noGrp="1"/>
+          </p:cNvSpPr>
+          <p:nvPr>
+            <p:ph type="sldNum" sz="quarter" idx="5"/>
+          </p:nvPr>
+        </p:nvSpPr>
+        <p:spPr/>
+        <p:txBody>
+          <a:bodyPr/>
+          <a:lstStyle/>
+          <a:p>
+            <a:fld id="{5A9F0AFC-48CF-49C0-954B-6A141C32AE05}" type="slidenum">
+              <a:rPr lang="zh-CN" altLang="en-US" smtClean="0"/>
+              <a:t>24</a:t>
+            </a:fld>
+            <a:endParaRPr lang="zh-CN" altLang="en-US"/>
+          </a:p>
+        </p:txBody>
+      </p:sp>
+    </p:spTree>
+    <p:extLst>
+      <p:ext uri="{BB962C8B-B14F-4D97-AF65-F5344CB8AC3E}">
+        <p14:creationId xmlns:p14="http://schemas.microsoft.com/office/powerpoint/2010/main" val="3913026640"/>
       </p:ext>
     </p:extLst>
   </p:cSld>
@@ -18062,11 +18317,7 @@
             </a:r>
             <a:r>
               <a:rPr lang="zh-CN" altLang="en-US" sz="2400" dirty="0"/>
-              <a:t>的表达式相关节点中保存了该表达式类型，所以在进行变量赋值时可以直接</a:t>
-            </a:r>
-            <a:r>
-              <a:rPr lang="zh-CN" altLang="en-US" sz="2400"/>
-              <a:t>获取表达式类型。</a:t>
+              <a:t>的表达式相关节点中保存了该表达式类型，所以在进行变量赋值时可以直接获取表达式类型。</a:t>
             </a:r>
             <a:endParaRPr lang="zh-CN" altLang="zh-CN" sz="2400" dirty="0"/>
           </a:p>
@@ -18098,6 +18349,1021 @@
 </file>
 
 <file path=ppt/slides/slide22.xml><?xml version="1.0" encoding="utf-8"?>
+<p:sld xmlns:a="http://schemas.openxmlformats.org/drawingml/2006/main" xmlns:r="http://schemas.openxmlformats.org/officeDocument/2006/relationships" xmlns:p="http://schemas.openxmlformats.org/presentationml/2006/main">
+  <p:cSld>
+    <p:spTree>
+      <p:nvGrpSpPr>
+        <p:cNvPr id="1" name=""/>
+        <p:cNvGrpSpPr/>
+        <p:nvPr/>
+      </p:nvGrpSpPr>
+      <p:grpSpPr>
+        <a:xfrm>
+          <a:off x="0" y="0"/>
+          <a:ext cx="0" cy="0"/>
+          <a:chOff x="0" y="0"/>
+          <a:chExt cx="0" cy="0"/>
+        </a:xfrm>
+      </p:grpSpPr>
+      <p:sp>
+        <p:nvSpPr>
+          <p:cNvPr id="3" name="Slide Number Placeholder 3"/>
+          <p:cNvSpPr>
+            <a:spLocks noGrp="1"/>
+          </p:cNvSpPr>
+          <p:nvPr>
+            <p:ph type="sldNum" sz="quarter" idx="12"/>
+          </p:nvPr>
+        </p:nvSpPr>
+        <p:spPr/>
+        <p:txBody>
+          <a:bodyPr/>
+          <a:lstStyle/>
+          <a:p>
+            <a:fld id="{FCEE2C88-6C8F-484D-AF69-578F576B1F44}" type="slidenum">
+              <a:rPr lang="en-US" smtClean="0">
+                <a:latin typeface="+mn-lt"/>
+                <a:cs typeface="+mn-ea"/>
+                <a:sym typeface="+mn-lt"/>
+              </a:rPr>
+              <a:t>22</a:t>
+            </a:fld>
+            <a:endParaRPr lang="en-US" dirty="0">
+              <a:latin typeface="+mn-lt"/>
+              <a:cs typeface="+mn-ea"/>
+              <a:sym typeface="+mn-lt"/>
+            </a:endParaRPr>
+          </a:p>
+        </p:txBody>
+      </p:sp>
+      <p:sp>
+        <p:nvSpPr>
+          <p:cNvPr id="20" name="文本占位符 17"/>
+          <p:cNvSpPr txBox="1"/>
+          <p:nvPr/>
+        </p:nvSpPr>
+        <p:spPr>
+          <a:xfrm>
+            <a:off x="252193" y="505633"/>
+            <a:ext cx="3817473" cy="416822"/>
+          </a:xfrm>
+          <a:prstGeom prst="rect">
+            <a:avLst/>
+          </a:prstGeom>
+        </p:spPr>
+        <p:txBody>
+          <a:bodyPr/>
+          <a:lstStyle>
+            <a:lvl1pPr marL="228600" indent="-228600" algn="l" defTabSz="914400" rtl="0" eaLnBrk="1" latinLnBrk="0" hangingPunct="1">
+              <a:lnSpc>
+                <a:spcPct val="90000"/>
+              </a:lnSpc>
+              <a:spcBef>
+                <a:spcPts val="1000"/>
+              </a:spcBef>
+              <a:buFont typeface="Arial" panose="020B0604020202020204" pitchFamily="34" charset="0"/>
+              <a:buChar char="•"/>
+              <a:defRPr lang="en-US" sz="2400" kern="1200" dirty="0" smtClean="0">
+                <a:solidFill>
+                  <a:schemeClr val="tx1"/>
+                </a:solidFill>
+                <a:effectLst/>
+                <a:latin typeface="Lato" panose="020F0502020204030203" pitchFamily="34" charset="0"/>
+                <a:ea typeface="+mn-ea"/>
+                <a:cs typeface="+mn-cs"/>
+              </a:defRPr>
+            </a:lvl1pPr>
+            <a:lvl2pPr marL="685800" indent="-228600" algn="l" defTabSz="914400" rtl="0" eaLnBrk="1" latinLnBrk="0" hangingPunct="1">
+              <a:lnSpc>
+                <a:spcPct val="90000"/>
+              </a:lnSpc>
+              <a:spcBef>
+                <a:spcPts val="500"/>
+              </a:spcBef>
+              <a:buFont typeface="Arial" panose="020B0604020202020204" pitchFamily="34" charset="0"/>
+              <a:buChar char="•"/>
+              <a:defRPr lang="en-US" sz="2000" kern="1200" dirty="0" smtClean="0">
+                <a:solidFill>
+                  <a:schemeClr val="tx1"/>
+                </a:solidFill>
+                <a:effectLst/>
+                <a:latin typeface="Lato" panose="020F0502020204030203" pitchFamily="34" charset="0"/>
+                <a:ea typeface="+mn-ea"/>
+                <a:cs typeface="+mn-cs"/>
+              </a:defRPr>
+            </a:lvl2pPr>
+            <a:lvl3pPr marL="1143000" indent="-228600" algn="l" defTabSz="914400" rtl="0" eaLnBrk="1" latinLnBrk="0" hangingPunct="1">
+              <a:lnSpc>
+                <a:spcPct val="90000"/>
+              </a:lnSpc>
+              <a:spcBef>
+                <a:spcPts val="500"/>
+              </a:spcBef>
+              <a:buFont typeface="Arial" panose="020B0604020202020204" pitchFamily="34" charset="0"/>
+              <a:buChar char="•"/>
+              <a:defRPr lang="en-US" sz="1800" kern="1200" dirty="0" smtClean="0">
+                <a:solidFill>
+                  <a:schemeClr val="tx1"/>
+                </a:solidFill>
+                <a:effectLst/>
+                <a:latin typeface="Lato" panose="020F0502020204030203" pitchFamily="34" charset="0"/>
+                <a:ea typeface="+mn-ea"/>
+                <a:cs typeface="+mn-cs"/>
+              </a:defRPr>
+            </a:lvl3pPr>
+            <a:lvl4pPr marL="1600200" indent="-228600" algn="l" defTabSz="914400" rtl="0" eaLnBrk="1" latinLnBrk="0" hangingPunct="1">
+              <a:lnSpc>
+                <a:spcPct val="90000"/>
+              </a:lnSpc>
+              <a:spcBef>
+                <a:spcPts val="500"/>
+              </a:spcBef>
+              <a:buFont typeface="Arial" panose="020B0604020202020204" pitchFamily="34" charset="0"/>
+              <a:buChar char="•"/>
+              <a:defRPr lang="en-US" sz="1600" kern="1200" dirty="0" smtClean="0">
+                <a:solidFill>
+                  <a:schemeClr val="tx1"/>
+                </a:solidFill>
+                <a:effectLst/>
+                <a:latin typeface="Lato" panose="020F0502020204030203" pitchFamily="34" charset="0"/>
+                <a:ea typeface="+mn-ea"/>
+                <a:cs typeface="+mn-cs"/>
+              </a:defRPr>
+            </a:lvl4pPr>
+            <a:lvl5pPr marL="2057400" indent="-228600" algn="l" defTabSz="914400" rtl="0" eaLnBrk="1" latinLnBrk="0" hangingPunct="1">
+              <a:lnSpc>
+                <a:spcPct val="90000"/>
+              </a:lnSpc>
+              <a:spcBef>
+                <a:spcPts val="500"/>
+              </a:spcBef>
+              <a:buFont typeface="Arial" panose="020B0604020202020204" pitchFamily="34" charset="0"/>
+              <a:buChar char="•"/>
+              <a:defRPr lang="en-US" sz="1600" kern="1200" dirty="0">
+                <a:solidFill>
+                  <a:schemeClr val="tx1"/>
+                </a:solidFill>
+                <a:effectLst/>
+                <a:latin typeface="Lato" panose="020F0502020204030203" pitchFamily="34" charset="0"/>
+                <a:ea typeface="+mn-ea"/>
+                <a:cs typeface="+mn-cs"/>
+              </a:defRPr>
+            </a:lvl5pPr>
+            <a:lvl6pPr marL="2514600" indent="-228600" algn="l" defTabSz="914400" rtl="0" eaLnBrk="1" latinLnBrk="0" hangingPunct="1">
+              <a:lnSpc>
+                <a:spcPct val="90000"/>
+              </a:lnSpc>
+              <a:spcBef>
+                <a:spcPts val="500"/>
+              </a:spcBef>
+              <a:buFont typeface="Arial" panose="020B0604020202020204" pitchFamily="34" charset="0"/>
+              <a:buChar char="•"/>
+              <a:defRPr sz="1800" kern="1200">
+                <a:solidFill>
+                  <a:schemeClr val="tx1"/>
+                </a:solidFill>
+                <a:latin typeface="+mn-lt"/>
+                <a:ea typeface="+mn-ea"/>
+                <a:cs typeface="+mn-cs"/>
+              </a:defRPr>
+            </a:lvl6pPr>
+            <a:lvl7pPr marL="2971800" indent="-228600" algn="l" defTabSz="914400" rtl="0" eaLnBrk="1" latinLnBrk="0" hangingPunct="1">
+              <a:lnSpc>
+                <a:spcPct val="90000"/>
+              </a:lnSpc>
+              <a:spcBef>
+                <a:spcPts val="500"/>
+              </a:spcBef>
+              <a:buFont typeface="Arial" panose="020B0604020202020204" pitchFamily="34" charset="0"/>
+              <a:buChar char="•"/>
+              <a:defRPr sz="1800" kern="1200">
+                <a:solidFill>
+                  <a:schemeClr val="tx1"/>
+                </a:solidFill>
+                <a:latin typeface="+mn-lt"/>
+                <a:ea typeface="+mn-ea"/>
+                <a:cs typeface="+mn-cs"/>
+              </a:defRPr>
+            </a:lvl7pPr>
+            <a:lvl8pPr marL="3429000" indent="-228600" algn="l" defTabSz="914400" rtl="0" eaLnBrk="1" latinLnBrk="0" hangingPunct="1">
+              <a:lnSpc>
+                <a:spcPct val="90000"/>
+              </a:lnSpc>
+              <a:spcBef>
+                <a:spcPts val="500"/>
+              </a:spcBef>
+              <a:buFont typeface="Arial" panose="020B0604020202020204" pitchFamily="34" charset="0"/>
+              <a:buChar char="•"/>
+              <a:defRPr sz="1800" kern="1200">
+                <a:solidFill>
+                  <a:schemeClr val="tx1"/>
+                </a:solidFill>
+                <a:latin typeface="+mn-lt"/>
+                <a:ea typeface="+mn-ea"/>
+                <a:cs typeface="+mn-cs"/>
+              </a:defRPr>
+            </a:lvl8pPr>
+            <a:lvl9pPr marL="3886200" indent="-228600" algn="l" defTabSz="914400" rtl="0" eaLnBrk="1" latinLnBrk="0" hangingPunct="1">
+              <a:lnSpc>
+                <a:spcPct val="90000"/>
+              </a:lnSpc>
+              <a:spcBef>
+                <a:spcPts val="500"/>
+              </a:spcBef>
+              <a:buFont typeface="Arial" panose="020B0604020202020204" pitchFamily="34" charset="0"/>
+              <a:buChar char="•"/>
+              <a:defRPr sz="1800" kern="1200">
+                <a:solidFill>
+                  <a:schemeClr val="tx1"/>
+                </a:solidFill>
+                <a:latin typeface="+mn-lt"/>
+                <a:ea typeface="+mn-ea"/>
+                <a:cs typeface="+mn-cs"/>
+              </a:defRPr>
+            </a:lvl9pPr>
+          </a:lstStyle>
+          <a:p>
+            <a:pPr marL="0" algn="l">
+              <a:buClrTx/>
+              <a:buSzTx/>
+              <a:buNone/>
+            </a:pPr>
+            <a:r>
+              <a:rPr lang="zh-CN" altLang="en-US" sz="2000" dirty="0">
+                <a:latin typeface="+mn-lt"/>
+                <a:cs typeface="+mn-ea"/>
+                <a:sym typeface="+mn-lt"/>
+              </a:rPr>
+              <a:t>独特之处及其实现方式</a:t>
+            </a:r>
+          </a:p>
+        </p:txBody>
+      </p:sp>
+      <p:sp>
+        <p:nvSpPr>
+          <p:cNvPr id="4" name="文本框 3">
+            <a:extLst>
+              <a:ext uri="{FF2B5EF4-FFF2-40B4-BE49-F238E27FC236}">
+                <a16:creationId xmlns:a16="http://schemas.microsoft.com/office/drawing/2014/main" id="{7CE37F36-9C21-804B-A790-10852336F5F6}"/>
+              </a:ext>
+            </a:extLst>
+          </p:cNvPr>
+          <p:cNvSpPr txBox="1"/>
+          <p:nvPr/>
+        </p:nvSpPr>
+        <p:spPr>
+          <a:xfrm>
+            <a:off x="703773" y="1522854"/>
+            <a:ext cx="9774121" cy="461665"/>
+          </a:xfrm>
+          <a:prstGeom prst="rect">
+            <a:avLst/>
+          </a:prstGeom>
+          <a:noFill/>
+        </p:spPr>
+        <p:txBody>
+          <a:bodyPr wrap="square" rtlCol="0">
+            <a:spAutoFit/>
+          </a:bodyPr>
+          <a:lstStyle/>
+          <a:p>
+            <a:pPr lvl="0"/>
+            <a:r>
+              <a:rPr lang="en-US" altLang="zh-CN" sz="2400" dirty="0"/>
+              <a:t>For </a:t>
+            </a:r>
+            <a:r>
+              <a:rPr lang="zh-CN" altLang="en-US" sz="2400" dirty="0"/>
+              <a:t>循环的奇特形式</a:t>
+            </a:r>
+            <a:endParaRPr lang="zh-CN" altLang="zh-CN" sz="2400" dirty="0"/>
+          </a:p>
+        </p:txBody>
+      </p:sp>
+      <p:sp>
+        <p:nvSpPr>
+          <p:cNvPr id="6" name="文本框 5">
+            <a:extLst>
+              <a:ext uri="{FF2B5EF4-FFF2-40B4-BE49-F238E27FC236}">
+                <a16:creationId xmlns:a16="http://schemas.microsoft.com/office/drawing/2014/main" id="{1A1E4D4B-FEC9-2A43-A741-AD6F9CEA125A}"/>
+              </a:ext>
+            </a:extLst>
+          </p:cNvPr>
+          <p:cNvSpPr txBox="1"/>
+          <p:nvPr/>
+        </p:nvSpPr>
+        <p:spPr>
+          <a:xfrm>
+            <a:off x="703772" y="2354085"/>
+            <a:ext cx="9774121" cy="830997"/>
+          </a:xfrm>
+          <a:prstGeom prst="rect">
+            <a:avLst/>
+          </a:prstGeom>
+          <a:noFill/>
+        </p:spPr>
+        <p:txBody>
+          <a:bodyPr wrap="square" rtlCol="0">
+            <a:spAutoFit/>
+          </a:bodyPr>
+          <a:lstStyle/>
+          <a:p>
+            <a:pPr lvl="0"/>
+            <a:r>
+              <a:rPr lang="en-US" altLang="zh-CN" sz="2400" dirty="0"/>
+              <a:t>	</a:t>
+            </a:r>
+            <a:r>
+              <a:rPr lang="zh-CN" altLang="en-US" sz="2400" dirty="0"/>
+              <a:t>对于</a:t>
+            </a:r>
+            <a:r>
+              <a:rPr lang="en-US" altLang="zh-CN" sz="2400" dirty="0"/>
+              <a:t> for </a:t>
+            </a:r>
+            <a:r>
+              <a:rPr lang="zh-CN" altLang="en-US" sz="2400" dirty="0"/>
+              <a:t>循环，我们没有采用</a:t>
+            </a:r>
+            <a:r>
+              <a:rPr lang="en-US" altLang="zh-CN" sz="2400" dirty="0"/>
+              <a:t> C </a:t>
+            </a:r>
+            <a:r>
+              <a:rPr lang="zh-CN" altLang="en-US" sz="2400" dirty="0"/>
+              <a:t>风格，而是使用了一种自定义的格式。</a:t>
+            </a:r>
+            <a:r>
+              <a:rPr lang="zh-CN" altLang="en-US" sz="2400" strike="sngStrike" dirty="0"/>
+              <a:t>（虽然有点像</a:t>
+            </a:r>
+            <a:r>
+              <a:rPr lang="en-US" altLang="zh-CN" sz="2400" strike="sngStrike" dirty="0"/>
+              <a:t>python</a:t>
+            </a:r>
+            <a:r>
+              <a:rPr lang="zh-CN" altLang="en-US" sz="2400" strike="sngStrike" dirty="0"/>
+              <a:t>）</a:t>
+            </a:r>
+            <a:endParaRPr lang="en-US" altLang="zh-CN" sz="2400" strike="sngStrike" dirty="0"/>
+          </a:p>
+        </p:txBody>
+      </p:sp>
+    </p:spTree>
+    <p:extLst>
+      <p:ext uri="{BB962C8B-B14F-4D97-AF65-F5344CB8AC3E}">
+        <p14:creationId xmlns:p14="http://schemas.microsoft.com/office/powerpoint/2010/main" val="2038082487"/>
+      </p:ext>
+    </p:extLst>
+  </p:cSld>
+  <p:clrMapOvr>
+    <a:masterClrMapping/>
+  </p:clrMapOvr>
+  <mc:AlternateContent xmlns:mc="http://schemas.openxmlformats.org/markup-compatibility/2006" xmlns:p159="http://schemas.microsoft.com/office/powerpoint/2015/09/main">
+    <mc:Choice Requires="p159">
+      <p:transition xmlns:p14="http://schemas.microsoft.com/office/powerpoint/2010/main" spd="slow" p14:dur="2000">
+        <p159:morph option="byObject"/>
+      </p:transition>
+    </mc:Choice>
+    <mc:Fallback xmlns="">
+      <p:transition spd="slow">
+        <p:fade/>
+      </p:transition>
+    </mc:Fallback>
+  </mc:AlternateContent>
+</p:sld>
+</file>
+
+<file path=ppt/slides/slide23.xml><?xml version="1.0" encoding="utf-8"?>
+<p:sld xmlns:a="http://schemas.openxmlformats.org/drawingml/2006/main" xmlns:r="http://schemas.openxmlformats.org/officeDocument/2006/relationships" xmlns:p="http://schemas.openxmlformats.org/presentationml/2006/main">
+  <p:cSld>
+    <p:spTree>
+      <p:nvGrpSpPr>
+        <p:cNvPr id="1" name=""/>
+        <p:cNvGrpSpPr/>
+        <p:nvPr/>
+      </p:nvGrpSpPr>
+      <p:grpSpPr>
+        <a:xfrm>
+          <a:off x="0" y="0"/>
+          <a:ext cx="0" cy="0"/>
+          <a:chOff x="0" y="0"/>
+          <a:chExt cx="0" cy="0"/>
+        </a:xfrm>
+      </p:grpSpPr>
+      <p:sp>
+        <p:nvSpPr>
+          <p:cNvPr id="3" name="Slide Number Placeholder 3"/>
+          <p:cNvSpPr>
+            <a:spLocks noGrp="1"/>
+          </p:cNvSpPr>
+          <p:nvPr>
+            <p:ph type="sldNum" sz="quarter" idx="12"/>
+          </p:nvPr>
+        </p:nvSpPr>
+        <p:spPr/>
+        <p:txBody>
+          <a:bodyPr/>
+          <a:lstStyle/>
+          <a:p>
+            <a:fld id="{FCEE2C88-6C8F-484D-AF69-578F576B1F44}" type="slidenum">
+              <a:rPr lang="en-US" smtClean="0">
+                <a:latin typeface="+mn-lt"/>
+                <a:cs typeface="+mn-ea"/>
+                <a:sym typeface="+mn-lt"/>
+              </a:rPr>
+              <a:t>23</a:t>
+            </a:fld>
+            <a:endParaRPr lang="en-US" dirty="0">
+              <a:latin typeface="+mn-lt"/>
+              <a:cs typeface="+mn-ea"/>
+              <a:sym typeface="+mn-lt"/>
+            </a:endParaRPr>
+          </a:p>
+        </p:txBody>
+      </p:sp>
+      <p:sp>
+        <p:nvSpPr>
+          <p:cNvPr id="20" name="文本占位符 17"/>
+          <p:cNvSpPr txBox="1"/>
+          <p:nvPr/>
+        </p:nvSpPr>
+        <p:spPr>
+          <a:xfrm>
+            <a:off x="252193" y="505633"/>
+            <a:ext cx="3817473" cy="416822"/>
+          </a:xfrm>
+          <a:prstGeom prst="rect">
+            <a:avLst/>
+          </a:prstGeom>
+        </p:spPr>
+        <p:txBody>
+          <a:bodyPr/>
+          <a:lstStyle>
+            <a:lvl1pPr marL="228600" indent="-228600" algn="l" defTabSz="914400" rtl="0" eaLnBrk="1" latinLnBrk="0" hangingPunct="1">
+              <a:lnSpc>
+                <a:spcPct val="90000"/>
+              </a:lnSpc>
+              <a:spcBef>
+                <a:spcPts val="1000"/>
+              </a:spcBef>
+              <a:buFont typeface="Arial" panose="020B0604020202020204" pitchFamily="34" charset="0"/>
+              <a:buChar char="•"/>
+              <a:defRPr lang="en-US" sz="2400" kern="1200" dirty="0" smtClean="0">
+                <a:solidFill>
+                  <a:schemeClr val="tx1"/>
+                </a:solidFill>
+                <a:effectLst/>
+                <a:latin typeface="Lato" panose="020F0502020204030203" pitchFamily="34" charset="0"/>
+                <a:ea typeface="+mn-ea"/>
+                <a:cs typeface="+mn-cs"/>
+              </a:defRPr>
+            </a:lvl1pPr>
+            <a:lvl2pPr marL="685800" indent="-228600" algn="l" defTabSz="914400" rtl="0" eaLnBrk="1" latinLnBrk="0" hangingPunct="1">
+              <a:lnSpc>
+                <a:spcPct val="90000"/>
+              </a:lnSpc>
+              <a:spcBef>
+                <a:spcPts val="500"/>
+              </a:spcBef>
+              <a:buFont typeface="Arial" panose="020B0604020202020204" pitchFamily="34" charset="0"/>
+              <a:buChar char="•"/>
+              <a:defRPr lang="en-US" sz="2000" kern="1200" dirty="0" smtClean="0">
+                <a:solidFill>
+                  <a:schemeClr val="tx1"/>
+                </a:solidFill>
+                <a:effectLst/>
+                <a:latin typeface="Lato" panose="020F0502020204030203" pitchFamily="34" charset="0"/>
+                <a:ea typeface="+mn-ea"/>
+                <a:cs typeface="+mn-cs"/>
+              </a:defRPr>
+            </a:lvl2pPr>
+            <a:lvl3pPr marL="1143000" indent="-228600" algn="l" defTabSz="914400" rtl="0" eaLnBrk="1" latinLnBrk="0" hangingPunct="1">
+              <a:lnSpc>
+                <a:spcPct val="90000"/>
+              </a:lnSpc>
+              <a:spcBef>
+                <a:spcPts val="500"/>
+              </a:spcBef>
+              <a:buFont typeface="Arial" panose="020B0604020202020204" pitchFamily="34" charset="0"/>
+              <a:buChar char="•"/>
+              <a:defRPr lang="en-US" sz="1800" kern="1200" dirty="0" smtClean="0">
+                <a:solidFill>
+                  <a:schemeClr val="tx1"/>
+                </a:solidFill>
+                <a:effectLst/>
+                <a:latin typeface="Lato" panose="020F0502020204030203" pitchFamily="34" charset="0"/>
+                <a:ea typeface="+mn-ea"/>
+                <a:cs typeface="+mn-cs"/>
+              </a:defRPr>
+            </a:lvl3pPr>
+            <a:lvl4pPr marL="1600200" indent="-228600" algn="l" defTabSz="914400" rtl="0" eaLnBrk="1" latinLnBrk="0" hangingPunct="1">
+              <a:lnSpc>
+                <a:spcPct val="90000"/>
+              </a:lnSpc>
+              <a:spcBef>
+                <a:spcPts val="500"/>
+              </a:spcBef>
+              <a:buFont typeface="Arial" panose="020B0604020202020204" pitchFamily="34" charset="0"/>
+              <a:buChar char="•"/>
+              <a:defRPr lang="en-US" sz="1600" kern="1200" dirty="0" smtClean="0">
+                <a:solidFill>
+                  <a:schemeClr val="tx1"/>
+                </a:solidFill>
+                <a:effectLst/>
+                <a:latin typeface="Lato" panose="020F0502020204030203" pitchFamily="34" charset="0"/>
+                <a:ea typeface="+mn-ea"/>
+                <a:cs typeface="+mn-cs"/>
+              </a:defRPr>
+            </a:lvl4pPr>
+            <a:lvl5pPr marL="2057400" indent="-228600" algn="l" defTabSz="914400" rtl="0" eaLnBrk="1" latinLnBrk="0" hangingPunct="1">
+              <a:lnSpc>
+                <a:spcPct val="90000"/>
+              </a:lnSpc>
+              <a:spcBef>
+                <a:spcPts val="500"/>
+              </a:spcBef>
+              <a:buFont typeface="Arial" panose="020B0604020202020204" pitchFamily="34" charset="0"/>
+              <a:buChar char="•"/>
+              <a:defRPr lang="en-US" sz="1600" kern="1200" dirty="0">
+                <a:solidFill>
+                  <a:schemeClr val="tx1"/>
+                </a:solidFill>
+                <a:effectLst/>
+                <a:latin typeface="Lato" panose="020F0502020204030203" pitchFamily="34" charset="0"/>
+                <a:ea typeface="+mn-ea"/>
+                <a:cs typeface="+mn-cs"/>
+              </a:defRPr>
+            </a:lvl5pPr>
+            <a:lvl6pPr marL="2514600" indent="-228600" algn="l" defTabSz="914400" rtl="0" eaLnBrk="1" latinLnBrk="0" hangingPunct="1">
+              <a:lnSpc>
+                <a:spcPct val="90000"/>
+              </a:lnSpc>
+              <a:spcBef>
+                <a:spcPts val="500"/>
+              </a:spcBef>
+              <a:buFont typeface="Arial" panose="020B0604020202020204" pitchFamily="34" charset="0"/>
+              <a:buChar char="•"/>
+              <a:defRPr sz="1800" kern="1200">
+                <a:solidFill>
+                  <a:schemeClr val="tx1"/>
+                </a:solidFill>
+                <a:latin typeface="+mn-lt"/>
+                <a:ea typeface="+mn-ea"/>
+                <a:cs typeface="+mn-cs"/>
+              </a:defRPr>
+            </a:lvl6pPr>
+            <a:lvl7pPr marL="2971800" indent="-228600" algn="l" defTabSz="914400" rtl="0" eaLnBrk="1" latinLnBrk="0" hangingPunct="1">
+              <a:lnSpc>
+                <a:spcPct val="90000"/>
+              </a:lnSpc>
+              <a:spcBef>
+                <a:spcPts val="500"/>
+              </a:spcBef>
+              <a:buFont typeface="Arial" panose="020B0604020202020204" pitchFamily="34" charset="0"/>
+              <a:buChar char="•"/>
+              <a:defRPr sz="1800" kern="1200">
+                <a:solidFill>
+                  <a:schemeClr val="tx1"/>
+                </a:solidFill>
+                <a:latin typeface="+mn-lt"/>
+                <a:ea typeface="+mn-ea"/>
+                <a:cs typeface="+mn-cs"/>
+              </a:defRPr>
+            </a:lvl7pPr>
+            <a:lvl8pPr marL="3429000" indent="-228600" algn="l" defTabSz="914400" rtl="0" eaLnBrk="1" latinLnBrk="0" hangingPunct="1">
+              <a:lnSpc>
+                <a:spcPct val="90000"/>
+              </a:lnSpc>
+              <a:spcBef>
+                <a:spcPts val="500"/>
+              </a:spcBef>
+              <a:buFont typeface="Arial" panose="020B0604020202020204" pitchFamily="34" charset="0"/>
+              <a:buChar char="•"/>
+              <a:defRPr sz="1800" kern="1200">
+                <a:solidFill>
+                  <a:schemeClr val="tx1"/>
+                </a:solidFill>
+                <a:latin typeface="+mn-lt"/>
+                <a:ea typeface="+mn-ea"/>
+                <a:cs typeface="+mn-cs"/>
+              </a:defRPr>
+            </a:lvl8pPr>
+            <a:lvl9pPr marL="3886200" indent="-228600" algn="l" defTabSz="914400" rtl="0" eaLnBrk="1" latinLnBrk="0" hangingPunct="1">
+              <a:lnSpc>
+                <a:spcPct val="90000"/>
+              </a:lnSpc>
+              <a:spcBef>
+                <a:spcPts val="500"/>
+              </a:spcBef>
+              <a:buFont typeface="Arial" panose="020B0604020202020204" pitchFamily="34" charset="0"/>
+              <a:buChar char="•"/>
+              <a:defRPr sz="1800" kern="1200">
+                <a:solidFill>
+                  <a:schemeClr val="tx1"/>
+                </a:solidFill>
+                <a:latin typeface="+mn-lt"/>
+                <a:ea typeface="+mn-ea"/>
+                <a:cs typeface="+mn-cs"/>
+              </a:defRPr>
+            </a:lvl9pPr>
+          </a:lstStyle>
+          <a:p>
+            <a:pPr marL="0" algn="l">
+              <a:buClrTx/>
+              <a:buSzTx/>
+              <a:buNone/>
+            </a:pPr>
+            <a:r>
+              <a:rPr lang="zh-CN" altLang="en-US" sz="2000" dirty="0">
+                <a:latin typeface="+mn-lt"/>
+                <a:cs typeface="+mn-ea"/>
+                <a:sym typeface="+mn-lt"/>
+              </a:rPr>
+              <a:t>独特之处及其实现方式</a:t>
+            </a:r>
+          </a:p>
+        </p:txBody>
+      </p:sp>
+      <p:pic>
+        <p:nvPicPr>
+          <p:cNvPr id="1025" name="Picture 1" descr="page34image21111536">
+            <a:extLst>
+              <a:ext uri="{FF2B5EF4-FFF2-40B4-BE49-F238E27FC236}">
+                <a16:creationId xmlns:a16="http://schemas.microsoft.com/office/drawing/2014/main" id="{4F1C8A6A-857F-4946-B588-62ABA5EA00F2}"/>
+              </a:ext>
+            </a:extLst>
+          </p:cNvPr>
+          <p:cNvPicPr>
+            <a:picLocks noChangeAspect="1" noChangeArrowheads="1"/>
+          </p:cNvPicPr>
+          <p:nvPr/>
+        </p:nvPicPr>
+        <p:blipFill>
+          <a:blip r:embed="rId3">
+            <a:extLst>
+              <a:ext uri="{28A0092B-C50C-407E-A947-70E740481C1C}">
+                <a14:useLocalDpi xmlns:a14="http://schemas.microsoft.com/office/drawing/2010/main" val="0"/>
+              </a:ext>
+            </a:extLst>
+          </a:blip>
+          <a:srcRect/>
+          <a:stretch>
+            <a:fillRect/>
+          </a:stretch>
+        </p:blipFill>
+        <p:spPr bwMode="auto">
+          <a:xfrm>
+            <a:off x="2160929" y="1327355"/>
+            <a:ext cx="6732348" cy="4947870"/>
+          </a:xfrm>
+          <a:prstGeom prst="rect">
+            <a:avLst/>
+          </a:prstGeom>
+          <a:noFill/>
+          <a:extLst>
+            <a:ext uri="{909E8E84-426E-40DD-AFC4-6F175D3DCCD1}">
+              <a14:hiddenFill xmlns:a14="http://schemas.microsoft.com/office/drawing/2010/main">
+                <a:solidFill>
+                  <a:srgbClr val="FFFFFF"/>
+                </a:solidFill>
+              </a14:hiddenFill>
+            </a:ext>
+          </a:extLst>
+        </p:spPr>
+      </p:pic>
+    </p:spTree>
+    <p:extLst>
+      <p:ext uri="{BB962C8B-B14F-4D97-AF65-F5344CB8AC3E}">
+        <p14:creationId xmlns:p14="http://schemas.microsoft.com/office/powerpoint/2010/main" val="4014268891"/>
+      </p:ext>
+    </p:extLst>
+  </p:cSld>
+  <p:clrMapOvr>
+    <a:masterClrMapping/>
+  </p:clrMapOvr>
+  <mc:AlternateContent xmlns:mc="http://schemas.openxmlformats.org/markup-compatibility/2006" xmlns:p159="http://schemas.microsoft.com/office/powerpoint/2015/09/main">
+    <mc:Choice Requires="p159">
+      <p:transition xmlns:p14="http://schemas.microsoft.com/office/powerpoint/2010/main" spd="slow" p14:dur="2000">
+        <p159:morph option="byObject"/>
+      </p:transition>
+    </mc:Choice>
+    <mc:Fallback xmlns="">
+      <p:transition spd="slow">
+        <p:fade/>
+      </p:transition>
+    </mc:Fallback>
+  </mc:AlternateContent>
+</p:sld>
+</file>
+
+<file path=ppt/slides/slide24.xml><?xml version="1.0" encoding="utf-8"?>
+<p:sld xmlns:a="http://schemas.openxmlformats.org/drawingml/2006/main" xmlns:r="http://schemas.openxmlformats.org/officeDocument/2006/relationships" xmlns:p="http://schemas.openxmlformats.org/presentationml/2006/main">
+  <p:cSld>
+    <p:spTree>
+      <p:nvGrpSpPr>
+        <p:cNvPr id="1" name=""/>
+        <p:cNvGrpSpPr/>
+        <p:nvPr/>
+      </p:nvGrpSpPr>
+      <p:grpSpPr>
+        <a:xfrm>
+          <a:off x="0" y="0"/>
+          <a:ext cx="0" cy="0"/>
+          <a:chOff x="0" y="0"/>
+          <a:chExt cx="0" cy="0"/>
+        </a:xfrm>
+      </p:grpSpPr>
+      <p:sp>
+        <p:nvSpPr>
+          <p:cNvPr id="3" name="Slide Number Placeholder 3"/>
+          <p:cNvSpPr>
+            <a:spLocks noGrp="1"/>
+          </p:cNvSpPr>
+          <p:nvPr>
+            <p:ph type="sldNum" sz="quarter" idx="12"/>
+          </p:nvPr>
+        </p:nvSpPr>
+        <p:spPr/>
+        <p:txBody>
+          <a:bodyPr/>
+          <a:lstStyle/>
+          <a:p>
+            <a:fld id="{FCEE2C88-6C8F-484D-AF69-578F576B1F44}" type="slidenum">
+              <a:rPr lang="en-US" smtClean="0">
+                <a:latin typeface="+mn-lt"/>
+                <a:cs typeface="+mn-ea"/>
+                <a:sym typeface="+mn-lt"/>
+              </a:rPr>
+              <a:t>24</a:t>
+            </a:fld>
+            <a:endParaRPr lang="en-US" dirty="0">
+              <a:latin typeface="+mn-lt"/>
+              <a:cs typeface="+mn-ea"/>
+              <a:sym typeface="+mn-lt"/>
+            </a:endParaRPr>
+          </a:p>
+        </p:txBody>
+      </p:sp>
+      <p:sp>
+        <p:nvSpPr>
+          <p:cNvPr id="20" name="文本占位符 17"/>
+          <p:cNvSpPr txBox="1"/>
+          <p:nvPr/>
+        </p:nvSpPr>
+        <p:spPr>
+          <a:xfrm>
+            <a:off x="252193" y="505633"/>
+            <a:ext cx="3817473" cy="416822"/>
+          </a:xfrm>
+          <a:prstGeom prst="rect">
+            <a:avLst/>
+          </a:prstGeom>
+        </p:spPr>
+        <p:txBody>
+          <a:bodyPr/>
+          <a:lstStyle>
+            <a:lvl1pPr marL="228600" indent="-228600" algn="l" defTabSz="914400" rtl="0" eaLnBrk="1" latinLnBrk="0" hangingPunct="1">
+              <a:lnSpc>
+                <a:spcPct val="90000"/>
+              </a:lnSpc>
+              <a:spcBef>
+                <a:spcPts val="1000"/>
+              </a:spcBef>
+              <a:buFont typeface="Arial" panose="020B0604020202020204" pitchFamily="34" charset="0"/>
+              <a:buChar char="•"/>
+              <a:defRPr lang="en-US" sz="2400" kern="1200" dirty="0" smtClean="0">
+                <a:solidFill>
+                  <a:schemeClr val="tx1"/>
+                </a:solidFill>
+                <a:effectLst/>
+                <a:latin typeface="Lato" panose="020F0502020204030203" pitchFamily="34" charset="0"/>
+                <a:ea typeface="+mn-ea"/>
+                <a:cs typeface="+mn-cs"/>
+              </a:defRPr>
+            </a:lvl1pPr>
+            <a:lvl2pPr marL="685800" indent="-228600" algn="l" defTabSz="914400" rtl="0" eaLnBrk="1" latinLnBrk="0" hangingPunct="1">
+              <a:lnSpc>
+                <a:spcPct val="90000"/>
+              </a:lnSpc>
+              <a:spcBef>
+                <a:spcPts val="500"/>
+              </a:spcBef>
+              <a:buFont typeface="Arial" panose="020B0604020202020204" pitchFamily="34" charset="0"/>
+              <a:buChar char="•"/>
+              <a:defRPr lang="en-US" sz="2000" kern="1200" dirty="0" smtClean="0">
+                <a:solidFill>
+                  <a:schemeClr val="tx1"/>
+                </a:solidFill>
+                <a:effectLst/>
+                <a:latin typeface="Lato" panose="020F0502020204030203" pitchFamily="34" charset="0"/>
+                <a:ea typeface="+mn-ea"/>
+                <a:cs typeface="+mn-cs"/>
+              </a:defRPr>
+            </a:lvl2pPr>
+            <a:lvl3pPr marL="1143000" indent="-228600" algn="l" defTabSz="914400" rtl="0" eaLnBrk="1" latinLnBrk="0" hangingPunct="1">
+              <a:lnSpc>
+                <a:spcPct val="90000"/>
+              </a:lnSpc>
+              <a:spcBef>
+                <a:spcPts val="500"/>
+              </a:spcBef>
+              <a:buFont typeface="Arial" panose="020B0604020202020204" pitchFamily="34" charset="0"/>
+              <a:buChar char="•"/>
+              <a:defRPr lang="en-US" sz="1800" kern="1200" dirty="0" smtClean="0">
+                <a:solidFill>
+                  <a:schemeClr val="tx1"/>
+                </a:solidFill>
+                <a:effectLst/>
+                <a:latin typeface="Lato" panose="020F0502020204030203" pitchFamily="34" charset="0"/>
+                <a:ea typeface="+mn-ea"/>
+                <a:cs typeface="+mn-cs"/>
+              </a:defRPr>
+            </a:lvl3pPr>
+            <a:lvl4pPr marL="1600200" indent="-228600" algn="l" defTabSz="914400" rtl="0" eaLnBrk="1" latinLnBrk="0" hangingPunct="1">
+              <a:lnSpc>
+                <a:spcPct val="90000"/>
+              </a:lnSpc>
+              <a:spcBef>
+                <a:spcPts val="500"/>
+              </a:spcBef>
+              <a:buFont typeface="Arial" panose="020B0604020202020204" pitchFamily="34" charset="0"/>
+              <a:buChar char="•"/>
+              <a:defRPr lang="en-US" sz="1600" kern="1200" dirty="0" smtClean="0">
+                <a:solidFill>
+                  <a:schemeClr val="tx1"/>
+                </a:solidFill>
+                <a:effectLst/>
+                <a:latin typeface="Lato" panose="020F0502020204030203" pitchFamily="34" charset="0"/>
+                <a:ea typeface="+mn-ea"/>
+                <a:cs typeface="+mn-cs"/>
+              </a:defRPr>
+            </a:lvl4pPr>
+            <a:lvl5pPr marL="2057400" indent="-228600" algn="l" defTabSz="914400" rtl="0" eaLnBrk="1" latinLnBrk="0" hangingPunct="1">
+              <a:lnSpc>
+                <a:spcPct val="90000"/>
+              </a:lnSpc>
+              <a:spcBef>
+                <a:spcPts val="500"/>
+              </a:spcBef>
+              <a:buFont typeface="Arial" panose="020B0604020202020204" pitchFamily="34" charset="0"/>
+              <a:buChar char="•"/>
+              <a:defRPr lang="en-US" sz="1600" kern="1200" dirty="0">
+                <a:solidFill>
+                  <a:schemeClr val="tx1"/>
+                </a:solidFill>
+                <a:effectLst/>
+                <a:latin typeface="Lato" panose="020F0502020204030203" pitchFamily="34" charset="0"/>
+                <a:ea typeface="+mn-ea"/>
+                <a:cs typeface="+mn-cs"/>
+              </a:defRPr>
+            </a:lvl5pPr>
+            <a:lvl6pPr marL="2514600" indent="-228600" algn="l" defTabSz="914400" rtl="0" eaLnBrk="1" latinLnBrk="0" hangingPunct="1">
+              <a:lnSpc>
+                <a:spcPct val="90000"/>
+              </a:lnSpc>
+              <a:spcBef>
+                <a:spcPts val="500"/>
+              </a:spcBef>
+              <a:buFont typeface="Arial" panose="020B0604020202020204" pitchFamily="34" charset="0"/>
+              <a:buChar char="•"/>
+              <a:defRPr sz="1800" kern="1200">
+                <a:solidFill>
+                  <a:schemeClr val="tx1"/>
+                </a:solidFill>
+                <a:latin typeface="+mn-lt"/>
+                <a:ea typeface="+mn-ea"/>
+                <a:cs typeface="+mn-cs"/>
+              </a:defRPr>
+            </a:lvl6pPr>
+            <a:lvl7pPr marL="2971800" indent="-228600" algn="l" defTabSz="914400" rtl="0" eaLnBrk="1" latinLnBrk="0" hangingPunct="1">
+              <a:lnSpc>
+                <a:spcPct val="90000"/>
+              </a:lnSpc>
+              <a:spcBef>
+                <a:spcPts val="500"/>
+              </a:spcBef>
+              <a:buFont typeface="Arial" panose="020B0604020202020204" pitchFamily="34" charset="0"/>
+              <a:buChar char="•"/>
+              <a:defRPr sz="1800" kern="1200">
+                <a:solidFill>
+                  <a:schemeClr val="tx1"/>
+                </a:solidFill>
+                <a:latin typeface="+mn-lt"/>
+                <a:ea typeface="+mn-ea"/>
+                <a:cs typeface="+mn-cs"/>
+              </a:defRPr>
+            </a:lvl7pPr>
+            <a:lvl8pPr marL="3429000" indent="-228600" algn="l" defTabSz="914400" rtl="0" eaLnBrk="1" latinLnBrk="0" hangingPunct="1">
+              <a:lnSpc>
+                <a:spcPct val="90000"/>
+              </a:lnSpc>
+              <a:spcBef>
+                <a:spcPts val="500"/>
+              </a:spcBef>
+              <a:buFont typeface="Arial" panose="020B0604020202020204" pitchFamily="34" charset="0"/>
+              <a:buChar char="•"/>
+              <a:defRPr sz="1800" kern="1200">
+                <a:solidFill>
+                  <a:schemeClr val="tx1"/>
+                </a:solidFill>
+                <a:latin typeface="+mn-lt"/>
+                <a:ea typeface="+mn-ea"/>
+                <a:cs typeface="+mn-cs"/>
+              </a:defRPr>
+            </a:lvl8pPr>
+            <a:lvl9pPr marL="3886200" indent="-228600" algn="l" defTabSz="914400" rtl="0" eaLnBrk="1" latinLnBrk="0" hangingPunct="1">
+              <a:lnSpc>
+                <a:spcPct val="90000"/>
+              </a:lnSpc>
+              <a:spcBef>
+                <a:spcPts val="500"/>
+              </a:spcBef>
+              <a:buFont typeface="Arial" panose="020B0604020202020204" pitchFamily="34" charset="0"/>
+              <a:buChar char="•"/>
+              <a:defRPr sz="1800" kern="1200">
+                <a:solidFill>
+                  <a:schemeClr val="tx1"/>
+                </a:solidFill>
+                <a:latin typeface="+mn-lt"/>
+                <a:ea typeface="+mn-ea"/>
+                <a:cs typeface="+mn-cs"/>
+              </a:defRPr>
+            </a:lvl9pPr>
+          </a:lstStyle>
+          <a:p>
+            <a:pPr marL="0" algn="l">
+              <a:buClrTx/>
+              <a:buSzTx/>
+              <a:buNone/>
+            </a:pPr>
+            <a:r>
+              <a:rPr lang="zh-CN" altLang="en-US" sz="2000" dirty="0">
+                <a:latin typeface="+mn-lt"/>
+                <a:cs typeface="+mn-ea"/>
+                <a:sym typeface="+mn-lt"/>
+              </a:rPr>
+              <a:t>独特之处及其实现方式</a:t>
+            </a:r>
+          </a:p>
+        </p:txBody>
+      </p:sp>
+      <p:pic>
+        <p:nvPicPr>
+          <p:cNvPr id="2" name="图片 1">
+            <a:extLst>
+              <a:ext uri="{FF2B5EF4-FFF2-40B4-BE49-F238E27FC236}">
+                <a16:creationId xmlns:a16="http://schemas.microsoft.com/office/drawing/2014/main" id="{E902E263-CE7E-F146-BC35-B1CEC160BD2B}"/>
+              </a:ext>
+            </a:extLst>
+          </p:cNvPr>
+          <p:cNvPicPr>
+            <a:picLocks noChangeAspect="1"/>
+          </p:cNvPicPr>
+          <p:nvPr/>
+        </p:nvPicPr>
+        <p:blipFill>
+          <a:blip r:embed="rId3"/>
+          <a:stretch>
+            <a:fillRect/>
+          </a:stretch>
+        </p:blipFill>
+        <p:spPr>
+          <a:xfrm>
+            <a:off x="392487" y="2333410"/>
+            <a:ext cx="11407026" cy="2191180"/>
+          </a:xfrm>
+          <a:prstGeom prst="rect">
+            <a:avLst/>
+          </a:prstGeom>
+        </p:spPr>
+      </p:pic>
+    </p:spTree>
+    <p:extLst>
+      <p:ext uri="{BB962C8B-B14F-4D97-AF65-F5344CB8AC3E}">
+        <p14:creationId xmlns:p14="http://schemas.microsoft.com/office/powerpoint/2010/main" val="1899786674"/>
+      </p:ext>
+    </p:extLst>
+  </p:cSld>
+  <p:clrMapOvr>
+    <a:masterClrMapping/>
+  </p:clrMapOvr>
+  <mc:AlternateContent xmlns:mc="http://schemas.openxmlformats.org/markup-compatibility/2006" xmlns:p159="http://schemas.microsoft.com/office/powerpoint/2015/09/main">
+    <mc:Choice Requires="p159">
+      <p:transition xmlns:p14="http://schemas.microsoft.com/office/powerpoint/2010/main" spd="slow" p14:dur="2000">
+        <p159:morph option="byObject"/>
+      </p:transition>
+    </mc:Choice>
+    <mc:Fallback xmlns="">
+      <p:transition spd="slow">
+        <p:fade/>
+      </p:transition>
+    </mc:Fallback>
+  </mc:AlternateContent>
+</p:sld>
+</file>
+
+<file path=ppt/slides/slide25.xml><?xml version="1.0" encoding="utf-8"?>
 <p:sld xmlns:a="http://schemas.openxmlformats.org/drawingml/2006/main" xmlns:r="http://schemas.openxmlformats.org/officeDocument/2006/relationships" xmlns:p="http://schemas.openxmlformats.org/presentationml/2006/main">
   <p:cSld>
     <p:spTree>
